--- a/Future Sales Prediction with Machine Learning.pptx
+++ b/Future Sales Prediction with Machine Learning.pptx
@@ -16,14 +16,17 @@
     <p:sldId id="259" r:id="rId10"/>
     <p:sldId id="260" r:id="rId11"/>
     <p:sldId id="261" r:id="rId12"/>
-    <p:sldId id="262" r:id="rId13"/>
-    <p:sldId id="264" r:id="rId14"/>
-    <p:sldId id="265" r:id="rId15"/>
-    <p:sldId id="266" r:id="rId16"/>
-    <p:sldId id="267" r:id="rId17"/>
-    <p:sldId id="268" r:id="rId18"/>
-    <p:sldId id="273" r:id="rId19"/>
-    <p:sldId id="274" r:id="rId20"/>
+    <p:sldId id="264" r:id="rId13"/>
+    <p:sldId id="265" r:id="rId14"/>
+    <p:sldId id="275" r:id="rId15"/>
+    <p:sldId id="277" r:id="rId16"/>
+    <p:sldId id="278" r:id="rId17"/>
+    <p:sldId id="279" r:id="rId18"/>
+    <p:sldId id="266" r:id="rId19"/>
+    <p:sldId id="267" r:id="rId20"/>
+    <p:sldId id="268" r:id="rId21"/>
+    <p:sldId id="273" r:id="rId22"/>
+    <p:sldId id="274" r:id="rId23"/>
   </p:sldIdLst>
   <p:sldSz cx="12192000" cy="6858000"/>
   <p:notesSz cx="6858000" cy="9144000"/>
@@ -124,7 +127,7 @@
   </p:defaultTextStyle>
   <p:extLst>
     <p:ext uri="{EFAFB233-063F-42B5-8137-9DF3F51BA10A}">
-      <p15:sldGuideLst xmlns:p15="http://schemas.microsoft.com/office/powerpoint/2012/main"/>
+      <p15:sldGuideLst xmlns="" xmlns:p15="http://schemas.microsoft.com/office/powerpoint/2012/main"/>
     </p:ext>
   </p:extLst>
 </p:presentation>
@@ -319,7 +322,7 @@
             <a:fld id="{B61BEF0D-F0BB-DE4B-95CE-6DB70DBA9567}" type="datetimeFigureOut">
               <a:rPr lang="en-US" dirty="0"/>
               <a:pPr/>
-              <a:t>8/18/2022</a:t>
+              <a:t>8/20/2022</a:t>
             </a:fld>
             <a:endParaRPr lang="en-US" dirty="0"/>
           </a:p>
@@ -654,7 +657,7 @@
             <a:fld id="{B61BEF0D-F0BB-DE4B-95CE-6DB70DBA9567}" type="datetimeFigureOut">
               <a:rPr lang="en-US" dirty="0"/>
               <a:pPr/>
-              <a:t>8/18/2022</a:t>
+              <a:t>8/20/2022</a:t>
             </a:fld>
             <a:endParaRPr lang="en-US" dirty="0"/>
           </a:p>
@@ -1052,7 +1055,7 @@
             <a:fld id="{B61BEF0D-F0BB-DE4B-95CE-6DB70DBA9567}" type="datetimeFigureOut">
               <a:rPr lang="en-US" dirty="0"/>
               <a:pPr/>
-              <a:t>8/18/2022</a:t>
+              <a:t>8/20/2022</a:t>
             </a:fld>
             <a:endParaRPr lang="en-US" dirty="0"/>
           </a:p>
@@ -1385,7 +1388,7 @@
             <a:fld id="{B61BEF0D-F0BB-DE4B-95CE-6DB70DBA9567}" type="datetimeFigureOut">
               <a:rPr lang="en-US" dirty="0"/>
               <a:pPr/>
-              <a:t>8/18/2022</a:t>
+              <a:t>8/20/2022</a:t>
             </a:fld>
             <a:endParaRPr lang="en-US" dirty="0"/>
           </a:p>
@@ -1702,7 +1705,7 @@
             <a:fld id="{B61BEF0D-F0BB-DE4B-95CE-6DB70DBA9567}" type="datetimeFigureOut">
               <a:rPr lang="en-US" dirty="0"/>
               <a:pPr/>
-              <a:t>8/18/2022</a:t>
+              <a:t>8/20/2022</a:t>
             </a:fld>
             <a:endParaRPr lang="en-US" dirty="0"/>
           </a:p>
@@ -2095,7 +2098,7 @@
             <a:fld id="{B61BEF0D-F0BB-DE4B-95CE-6DB70DBA9567}" type="datetimeFigureOut">
               <a:rPr lang="en-US" dirty="0"/>
               <a:pPr/>
-              <a:t>8/18/2022</a:t>
+              <a:t>8/20/2022</a:t>
             </a:fld>
             <a:endParaRPr lang="en-US" dirty="0"/>
           </a:p>
@@ -2349,7 +2352,7 @@
             <a:fld id="{B61BEF0D-F0BB-DE4B-95CE-6DB70DBA9567}" type="datetimeFigureOut">
               <a:rPr lang="en-US" dirty="0"/>
               <a:pPr/>
-              <a:t>8/18/2022</a:t>
+              <a:t>8/20/2022</a:t>
             </a:fld>
             <a:endParaRPr lang="en-US" dirty="0"/>
           </a:p>
@@ -2608,7 +2611,7 @@
             <a:fld id="{B61BEF0D-F0BB-DE4B-95CE-6DB70DBA9567}" type="datetimeFigureOut">
               <a:rPr lang="en-US" dirty="0"/>
               <a:pPr/>
-              <a:t>8/18/2022</a:t>
+              <a:t>8/20/2022</a:t>
             </a:fld>
             <a:endParaRPr lang="en-US" dirty="0"/>
           </a:p>
@@ -2867,7 +2870,7 @@
             <a:fld id="{B61BEF0D-F0BB-DE4B-95CE-6DB70DBA9567}" type="datetimeFigureOut">
               <a:rPr lang="en-US" dirty="0"/>
               <a:pPr/>
-              <a:t>8/18/2022</a:t>
+              <a:t>8/20/2022</a:t>
             </a:fld>
             <a:endParaRPr lang="en-US" dirty="0"/>
           </a:p>
@@ -3193,7 +3196,7 @@
             <a:fld id="{B61BEF0D-F0BB-DE4B-95CE-6DB70DBA9567}" type="datetimeFigureOut">
               <a:rPr lang="en-US" dirty="0"/>
               <a:pPr/>
-              <a:t>8/18/2022</a:t>
+              <a:t>8/20/2022</a:t>
             </a:fld>
             <a:endParaRPr lang="en-US" dirty="0"/>
           </a:p>
@@ -3513,7 +3516,7 @@
             <a:fld id="{B61BEF0D-F0BB-DE4B-95CE-6DB70DBA9567}" type="datetimeFigureOut">
               <a:rPr lang="en-US" dirty="0"/>
               <a:pPr/>
-              <a:t>8/18/2022</a:t>
+              <a:t>8/20/2022</a:t>
             </a:fld>
             <a:endParaRPr lang="en-US" dirty="0"/>
           </a:p>
@@ -3967,7 +3970,7 @@
             <a:fld id="{B61BEF0D-F0BB-DE4B-95CE-6DB70DBA9567}" type="datetimeFigureOut">
               <a:rPr lang="en-US" dirty="0"/>
               <a:pPr/>
-              <a:t>8/18/2022</a:t>
+              <a:t>8/20/2022</a:t>
             </a:fld>
             <a:endParaRPr lang="en-US" dirty="0"/>
           </a:p>
@@ -4169,7 +4172,7 @@
             <a:fld id="{B61BEF0D-F0BB-DE4B-95CE-6DB70DBA9567}" type="datetimeFigureOut">
               <a:rPr lang="en-US" dirty="0"/>
               <a:pPr/>
-              <a:t>8/18/2022</a:t>
+              <a:t>8/20/2022</a:t>
             </a:fld>
             <a:endParaRPr lang="en-US" dirty="0"/>
           </a:p>
@@ -4343,7 +4346,7 @@
             <a:fld id="{B61BEF0D-F0BB-DE4B-95CE-6DB70DBA9567}" type="datetimeFigureOut">
               <a:rPr lang="en-US" dirty="0"/>
               <a:pPr/>
-              <a:t>8/18/2022</a:t>
+              <a:t>8/20/2022</a:t>
             </a:fld>
             <a:endParaRPr lang="en-US" dirty="0"/>
           </a:p>
@@ -4673,7 +4676,7 @@
             <a:fld id="{B61BEF0D-F0BB-DE4B-95CE-6DB70DBA9567}" type="datetimeFigureOut">
               <a:rPr lang="en-US" dirty="0"/>
               <a:pPr/>
-              <a:t>8/18/2022</a:t>
+              <a:t>8/20/2022</a:t>
             </a:fld>
             <a:endParaRPr lang="en-US" dirty="0"/>
           </a:p>
@@ -5015,7 +5018,7 @@
             <a:fld id="{B61BEF0D-F0BB-DE4B-95CE-6DB70DBA9567}" type="datetimeFigureOut">
               <a:rPr lang="en-US" dirty="0"/>
               <a:pPr/>
-              <a:t>8/18/2022</a:t>
+              <a:t>8/20/2022</a:t>
             </a:fld>
             <a:endParaRPr lang="en-US" dirty="0"/>
           </a:p>
@@ -7129,7 +7132,7 @@
             <a:fld id="{B61BEF0D-F0BB-DE4B-95CE-6DB70DBA9567}" type="datetimeFigureOut">
               <a:rPr lang="en-US" dirty="0"/>
               <a:pPr/>
-              <a:t>8/18/2022</a:t>
+              <a:t>8/20/2022</a:t>
             </a:fld>
             <a:endParaRPr lang="en-US" dirty="0"/>
           </a:p>
@@ -7656,13 +7659,13 @@
         <p:spPr/>
         <p:txBody>
           <a:bodyPr>
-            <a:normAutofit fontScale="90000"/>
+            <a:normAutofit/>
           </a:bodyPr>
           <a:lstStyle/>
           <a:p>
             <a:r>
               <a:rPr lang="en-US" b="1" dirty="0"/>
-              <a:t>Future Sales Prediction with Machine Learning</a:t>
+              <a:t/>
             </a:r>
             <a:br>
               <a:rPr lang="en-US" b="1" dirty="0"/>
@@ -7683,23 +7686,60 @@
         </p:nvSpPr>
         <p:spPr/>
         <p:txBody>
-          <a:bodyPr/>
-          <a:lstStyle/>
-          <a:p>
-            <a:endParaRPr lang="en-US" dirty="0"/>
-          </a:p>
-        </p:txBody>
-      </p:sp>
+          <a:bodyPr>
+            <a:noAutofit/>
+          </a:bodyPr>
+          <a:lstStyle/>
+          <a:p>
+            <a:r>
+              <a:rPr lang="en-US" sz="4800" b="1" dirty="0" smtClean="0"/>
+              <a:t>Future Sales Prediction with Machine Learning</a:t>
+            </a:r>
+            <a:endParaRPr lang="en-US" sz="4800" dirty="0"/>
+          </a:p>
+        </p:txBody>
+      </p:sp>
+      <p:pic>
+        <p:nvPicPr>
+          <p:cNvPr id="4" name="Picture 3" descr="Project Submission logo.jpg"/>
+          <p:cNvPicPr>
+            <a:picLocks noChangeAspect="1"/>
+          </p:cNvPicPr>
+          <p:nvPr/>
+        </p:nvPicPr>
+        <p:blipFill>
+          <a:blip r:embed="rId2"/>
+          <a:stretch>
+            <a:fillRect/>
+          </a:stretch>
+        </p:blipFill>
+        <p:spPr>
+          <a:xfrm>
+            <a:off x="310552" y="543464"/>
+            <a:ext cx="11533516" cy="3994030"/>
+          </a:xfrm>
+          <a:prstGeom prst="rect">
+            <a:avLst/>
+          </a:prstGeom>
+        </p:spPr>
+      </p:pic>
     </p:spTree>
     <p:extLst>
       <p:ext uri="{BB962C8B-B14F-4D97-AF65-F5344CB8AC3E}">
-        <p14:creationId xmlns:p14="http://schemas.microsoft.com/office/powerpoint/2010/main" val="1031381674"/>
+        <p14:creationId xmlns="" xmlns:p14="http://schemas.microsoft.com/office/powerpoint/2010/main" val="1031381674"/>
       </p:ext>
     </p:extLst>
   </p:cSld>
   <p:clrMapOvr>
     <a:masterClrMapping/>
   </p:clrMapOvr>
+  <p:timing>
+    <p:tnLst>
+      <p:par>
+        <p:cTn id="1" dur="indefinite" restart="never" nodeType="tmRoot"/>
+      </p:par>
+    </p:tnLst>
+  </p:timing>
 </p:sld>
 </file>
 
@@ -7950,13 +7990,20 @@
     </p:spTree>
     <p:extLst>
       <p:ext uri="{BB962C8B-B14F-4D97-AF65-F5344CB8AC3E}">
-        <p14:creationId xmlns:p14="http://schemas.microsoft.com/office/powerpoint/2010/main" val="1691188750"/>
+        <p14:creationId xmlns="" xmlns:p14="http://schemas.microsoft.com/office/powerpoint/2010/main" val="1691188750"/>
       </p:ext>
     </p:extLst>
   </p:cSld>
   <p:clrMapOvr>
     <a:masterClrMapping/>
   </p:clrMapOvr>
+  <p:timing>
+    <p:tnLst>
+      <p:par>
+        <p:cTn id="1" dur="indefinite" restart="never" nodeType="tmRoot"/>
+      </p:par>
+    </p:tnLst>
+  </p:timing>
 </p:sld>
 </file>
 
@@ -8014,7 +8061,7 @@
           <a:blip r:embed="rId2">
             <a:extLst>
               <a:ext uri="{28A0092B-C50C-407E-A947-70E740481C1C}">
-                <a14:useLocalDpi xmlns:a14="http://schemas.microsoft.com/office/drawing/2010/main" val="0"/>
+                <a14:useLocalDpi xmlns="" xmlns:a14="http://schemas.microsoft.com/office/drawing/2010/main" val="0"/>
               </a:ext>
             </a:extLst>
           </a:blip>
@@ -8034,7 +8081,7 @@
           <a:noFill/>
           <a:extLst>
             <a:ext uri="{909E8E84-426E-40DD-AFC4-6F175D3DCCD1}">
-              <a14:hiddenFill xmlns:a14="http://schemas.microsoft.com/office/drawing/2010/main">
+              <a14:hiddenFill xmlns="" xmlns:a14="http://schemas.microsoft.com/office/drawing/2010/main">
                 <a:solidFill>
                   <a:srgbClr val="FFFFFF"/>
                 </a:solidFill>
@@ -8099,13 +8146,20 @@
     </p:spTree>
     <p:extLst>
       <p:ext uri="{BB962C8B-B14F-4D97-AF65-F5344CB8AC3E}">
-        <p14:creationId xmlns:p14="http://schemas.microsoft.com/office/powerpoint/2010/main" val="4237950842"/>
+        <p14:creationId xmlns="" xmlns:p14="http://schemas.microsoft.com/office/powerpoint/2010/main" val="4237950842"/>
       </p:ext>
     </p:extLst>
   </p:cSld>
   <p:clrMapOvr>
     <a:masterClrMapping/>
   </p:clrMapOvr>
+  <p:timing>
+    <p:tnLst>
+      <p:par>
+        <p:cTn id="1" dur="indefinite" restart="never" nodeType="tmRoot"/>
+      </p:par>
+    </p:tnLst>
+  </p:timing>
 </p:sld>
 </file>
 
@@ -8142,87 +8196,96 @@
           <a:lstStyle/>
           <a:p>
             <a:r>
+              <a:rPr lang="en-US" dirty="0"/>
+              <a:t>What are supervised and unsupervised </a:t>
+            </a:r>
+            <a:r>
+              <a:rPr lang="en-US" dirty="0" smtClean="0"/>
+              <a:t>techniques?</a:t>
+            </a:r>
+            <a:endParaRPr lang="en-US" dirty="0"/>
+          </a:p>
+        </p:txBody>
+      </p:sp>
+      <p:sp>
+        <p:nvSpPr>
+          <p:cNvPr id="3" name="Content Placeholder 2"/>
+          <p:cNvSpPr>
+            <a:spLocks noGrp="1"/>
+          </p:cNvSpPr>
+          <p:nvPr>
+            <p:ph idx="1"/>
+          </p:nvPr>
+        </p:nvSpPr>
+        <p:spPr/>
+        <p:txBody>
+          <a:bodyPr/>
+          <a:lstStyle/>
+          <a:p>
+            <a:r>
               <a:rPr lang="en-US" b="1" dirty="0"/>
-              <a:t>Preprocessing</a:t>
-            </a:r>
-            <a:br>
+              <a:t>supervised learning uses labeled input and output data, while an unsupervised learning algorithm does not</a:t>
+            </a:r>
+            <a:r>
+              <a:rPr lang="en-US" dirty="0"/>
+              <a:t>. In supervised learning, the algorithm “learns” from the training dataset by iteratively making predictions on the data and adjusting for the correct answer</a:t>
+            </a:r>
+            <a:r>
+              <a:rPr lang="en-US" dirty="0" smtClean="0"/>
+              <a:t>.</a:t>
+            </a:r>
+          </a:p>
+          <a:p>
+            <a:r>
+              <a:rPr lang="en-US" dirty="0"/>
+              <a:t>Some examples of unsupervised learning algorithms include </a:t>
+            </a:r>
+            <a:r>
               <a:rPr lang="en-US" b="1" dirty="0"/>
-            </a:br>
-            <a:endParaRPr lang="en-US" dirty="0"/>
-          </a:p>
-        </p:txBody>
-      </p:sp>
-      <p:sp>
-        <p:nvSpPr>
-          <p:cNvPr id="3" name="Content Placeholder 2"/>
-          <p:cNvSpPr>
-            <a:spLocks noGrp="1"/>
-          </p:cNvSpPr>
-          <p:nvPr>
-            <p:ph idx="1"/>
-          </p:nvPr>
-        </p:nvSpPr>
-        <p:spPr/>
-        <p:txBody>
-          <a:bodyPr/>
-          <a:lstStyle/>
-          <a:p>
-            <a:pPr fontAlgn="base"/>
-            <a:r>
-              <a:rPr lang="en-US" dirty="0"/>
-              <a:t>Initially, the data set had only two columns: date and traffic(sales).</a:t>
-            </a:r>
-          </a:p>
-          <a:p>
-            <a:pPr fontAlgn="base"/>
-            <a:r>
-              <a:rPr lang="en-US" dirty="0"/>
-              <a:t>After the addition of different columns and processing/normalization of values, the data contained all these values.</a:t>
-            </a:r>
-          </a:p>
-          <a:p>
-            <a:pPr fontAlgn="base"/>
-            <a:r>
-              <a:rPr lang="en-US" dirty="0"/>
-              <a:t>Date</a:t>
-            </a:r>
-          </a:p>
-          <a:p>
-            <a:pPr fontAlgn="base"/>
-            <a:r>
-              <a:rPr lang="en-US" dirty="0"/>
-              <a:t>Traffic</a:t>
-            </a:r>
-          </a:p>
-          <a:p>
-            <a:pPr fontAlgn="base"/>
-            <a:r>
-              <a:rPr lang="en-US" dirty="0"/>
-              <a:t>Holiday or not</a:t>
-            </a:r>
-          </a:p>
-          <a:p>
-            <a:pPr fontAlgn="base"/>
-            <a:r>
-              <a:rPr lang="en-US" dirty="0"/>
-              <a:t>Day</a:t>
-            </a:r>
-          </a:p>
-          <a:p>
-            <a:endParaRPr lang="en-US" dirty="0"/>
+              <a:t>K-Means Clustering</a:t>
+            </a:r>
+            <a:r>
+              <a:rPr lang="en-US" dirty="0"/>
+              <a:t>, Principal Component Analysis and Hierarchical Clustering</a:t>
+            </a:r>
+            <a:r>
+              <a:rPr lang="en-US" dirty="0" smtClean="0"/>
+              <a:t>.</a:t>
+            </a:r>
+          </a:p>
+          <a:p>
+            <a:r>
+              <a:rPr lang="en-US" dirty="0"/>
+              <a:t>Some popular examples of supervised machine learning algorithms are: </a:t>
+            </a:r>
+            <a:r>
+              <a:rPr lang="en-US" b="1" dirty="0"/>
+              <a:t>Linear regression for regression problems</a:t>
+            </a:r>
+            <a:r>
+              <a:rPr lang="en-US" dirty="0"/>
+              <a:t>. </a:t>
+            </a:r>
           </a:p>
         </p:txBody>
       </p:sp>
     </p:spTree>
     <p:extLst>
       <p:ext uri="{BB962C8B-B14F-4D97-AF65-F5344CB8AC3E}">
-        <p14:creationId xmlns:p14="http://schemas.microsoft.com/office/powerpoint/2010/main" val="1341519173"/>
+        <p14:creationId xmlns="" xmlns:p14="http://schemas.microsoft.com/office/powerpoint/2010/main" val="3742440880"/>
       </p:ext>
     </p:extLst>
   </p:cSld>
   <p:clrMapOvr>
     <a:masterClrMapping/>
   </p:clrMapOvr>
+  <p:timing>
+    <p:tnLst>
+      <p:par>
+        <p:cTn id="1" dur="indefinite" restart="never" nodeType="tmRoot"/>
+      </p:par>
+    </p:tnLst>
+  </p:timing>
 </p:sld>
 </file>
 
@@ -8260,13 +8323,16 @@
           <a:p>
             <a:r>
               <a:rPr lang="en-US" dirty="0"/>
-              <a:t>What are supervised and unsupervised </a:t>
+              <a:t>A</a:t>
             </a:r>
             <a:r>
               <a:rPr lang="en-US" dirty="0" smtClean="0"/>
-              <a:t>techniques?</a:t>
-            </a:r>
-            <a:endParaRPr lang="en-US" dirty="0"/>
+              <a:t>lgorithm </a:t>
+            </a:r>
+            <a:r>
+              <a:rPr lang="en-US" dirty="0"/>
+              <a:t>is used for sales prediction?</a:t>
+            </a:r>
           </a:p>
         </p:txBody>
       </p:sp>
@@ -8286,12 +8352,24 @@
           <a:lstStyle/>
           <a:p>
             <a:r>
+              <a:rPr lang="en-US" dirty="0"/>
+              <a:t>The </a:t>
+            </a:r>
+            <a:r>
               <a:rPr lang="en-US" b="1" dirty="0"/>
-              <a:t>supervised learning uses labeled input and output data, while an unsupervised learning algorithm does not</a:t>
-            </a:r>
-            <a:r>
-              <a:rPr lang="en-US" dirty="0"/>
-              <a:t>. In supervised learning, the algorithm “learns” from the training dataset by iteratively making predictions on the data and adjusting for the correct answer</a:t>
+              <a:t>Random Forest Regression</a:t>
+            </a:r>
+            <a:r>
+              <a:rPr lang="en-US" dirty="0"/>
+              <a:t> algorithm performed well after do- </a:t>
+            </a:r>
+            <a:r>
+              <a:rPr lang="en-US" dirty="0" err="1"/>
+              <a:t>ing</a:t>
+            </a:r>
+            <a:r>
+              <a:rPr lang="en-US" dirty="0"/>
+              <a:t> all the study when compared with other algorithms. Hence the Random Forest Regression is considered as the best suitable algorithm for forecasting product sales</a:t>
             </a:r>
             <a:r>
               <a:rPr lang="en-US" dirty="0" smtClean="0"/>
@@ -8300,48 +8378,65 @@
           </a:p>
           <a:p>
             <a:r>
-              <a:rPr lang="en-US" dirty="0"/>
-              <a:t>Some examples of unsupervised learning algorithms include </a:t>
-            </a:r>
-            <a:r>
               <a:rPr lang="en-US" b="1" dirty="0"/>
-              <a:t>K-Means Clustering</a:t>
-            </a:r>
-            <a:r>
-              <a:rPr lang="en-US" dirty="0"/>
-              <a:t>, Principal Component Analysis and Hierarchical Clustering</a:t>
-            </a:r>
-            <a:r>
-              <a:rPr lang="en-US" dirty="0" smtClean="0"/>
-              <a:t>.</a:t>
-            </a:r>
-          </a:p>
-          <a:p>
-            <a:r>
-              <a:rPr lang="en-US" dirty="0"/>
-              <a:t>Some popular examples of supervised machine learning algorithms are: </a:t>
+              <a:t>So, the overall regression equation is Y = </a:t>
+            </a:r>
+            <a:r>
+              <a:rPr lang="en-US" b="1" dirty="0" err="1"/>
+              <a:t>bX</a:t>
             </a:r>
             <a:r>
               <a:rPr lang="en-US" b="1" dirty="0"/>
-              <a:t>Linear regression for regression problems</a:t>
-            </a:r>
-            <a:r>
-              <a:rPr lang="en-US" dirty="0"/>
-              <a:t>. </a:t>
-            </a:r>
+              <a:t> + a, where:</a:t>
+            </a:r>
+            <a:endParaRPr lang="en-US" dirty="0"/>
+          </a:p>
+          <a:p>
+            <a:r>
+              <a:rPr lang="en-US" dirty="0"/>
+              <a:t>X is the independent variable (number of sales calls)</a:t>
+            </a:r>
+          </a:p>
+          <a:p>
+            <a:r>
+              <a:rPr lang="en-US" dirty="0"/>
+              <a:t>Y is the dependent variable (number of deals closed)</a:t>
+            </a:r>
+          </a:p>
+          <a:p>
+            <a:r>
+              <a:rPr lang="en-US" dirty="0"/>
+              <a:t>b is the slope of the line.</a:t>
+            </a:r>
+          </a:p>
+          <a:p>
+            <a:r>
+              <a:rPr lang="en-US" dirty="0"/>
+              <a:t>a is the point of interception, or what Y equals when X is zero.</a:t>
+            </a:r>
+          </a:p>
+          <a:p>
+            <a:endParaRPr lang="en-US" dirty="0"/>
           </a:p>
         </p:txBody>
       </p:sp>
     </p:spTree>
     <p:extLst>
       <p:ext uri="{BB962C8B-B14F-4D97-AF65-F5344CB8AC3E}">
-        <p14:creationId xmlns:p14="http://schemas.microsoft.com/office/powerpoint/2010/main" val="3742440880"/>
+        <p14:creationId xmlns="" xmlns:p14="http://schemas.microsoft.com/office/powerpoint/2010/main" val="2921984270"/>
       </p:ext>
     </p:extLst>
   </p:cSld>
   <p:clrMapOvr>
     <a:masterClrMapping/>
   </p:clrMapOvr>
+  <p:timing>
+    <p:tnLst>
+      <p:par>
+        <p:cTn id="1" dur="indefinite" restart="never" nodeType="tmRoot"/>
+      </p:par>
+    </p:tnLst>
+  </p:timing>
 </p:sld>
 </file>
 
@@ -8378,115 +8473,51 @@
           <a:lstStyle/>
           <a:p>
             <a:r>
-              <a:rPr lang="en-US" dirty="0"/>
-              <a:t>A</a:t>
-            </a:r>
-            <a:r>
-              <a:rPr lang="en-US" dirty="0" smtClean="0"/>
-              <a:t>lgorithm </a:t>
-            </a:r>
-            <a:r>
-              <a:rPr lang="en-US" dirty="0"/>
-              <a:t>is used for sales prediction?</a:t>
-            </a:r>
-            <a:endParaRPr lang="en-US" dirty="0"/>
-          </a:p>
-        </p:txBody>
-      </p:sp>
-      <p:sp>
-        <p:nvSpPr>
-          <p:cNvPr id="3" name="Content Placeholder 2"/>
-          <p:cNvSpPr>
-            <a:spLocks noGrp="1"/>
-          </p:cNvSpPr>
+              <a:rPr lang="en-US" b="1" dirty="0" smtClean="0"/>
+              <a:t>Future Sales Prediction using Python</a:t>
+            </a:r>
+            <a:br>
+              <a:rPr lang="en-US" b="1" dirty="0" smtClean="0"/>
+            </a:br>
+            <a:endParaRPr lang="en-US" dirty="0"/>
+          </a:p>
+        </p:txBody>
+      </p:sp>
+      <p:pic>
+        <p:nvPicPr>
+          <p:cNvPr id="6" name="Content Placeholder 5" descr="li1.png"/>
+          <p:cNvPicPr>
+            <a:picLocks noGrp="1" noChangeAspect="1"/>
+          </p:cNvPicPr>
           <p:nvPr>
             <p:ph idx="1"/>
           </p:nvPr>
-        </p:nvSpPr>
-        <p:spPr/>
-        <p:txBody>
-          <a:bodyPr/>
-          <a:lstStyle/>
-          <a:p>
-            <a:r>
-              <a:rPr lang="en-US" dirty="0"/>
-              <a:t>The </a:t>
-            </a:r>
-            <a:r>
-              <a:rPr lang="en-US" b="1" dirty="0"/>
-              <a:t>Random Forest Regression</a:t>
-            </a:r>
-            <a:r>
-              <a:rPr lang="en-US" dirty="0"/>
-              <a:t> algorithm performed well after do- </a:t>
-            </a:r>
-            <a:r>
-              <a:rPr lang="en-US" dirty="0" err="1"/>
-              <a:t>ing</a:t>
-            </a:r>
-            <a:r>
-              <a:rPr lang="en-US" dirty="0"/>
-              <a:t> all the study when compared with other algorithms. Hence the Random Forest Regression is considered as the best suitable algorithm for forecasting product sales</a:t>
-            </a:r>
-            <a:r>
-              <a:rPr lang="en-US" dirty="0" smtClean="0"/>
-              <a:t>.</a:t>
-            </a:r>
-          </a:p>
-          <a:p>
-            <a:r>
-              <a:rPr lang="en-US" b="1" dirty="0"/>
-              <a:t>So, the overall regression equation is Y = </a:t>
-            </a:r>
-            <a:r>
-              <a:rPr lang="en-US" b="1" dirty="0" err="1"/>
-              <a:t>bX</a:t>
-            </a:r>
-            <a:r>
-              <a:rPr lang="en-US" b="1" dirty="0"/>
-              <a:t> + a, where:</a:t>
-            </a:r>
-            <a:endParaRPr lang="en-US" dirty="0"/>
-          </a:p>
-          <a:p>
-            <a:r>
-              <a:rPr lang="en-US" dirty="0"/>
-              <a:t>X is the independent variable (number of sales calls)</a:t>
-            </a:r>
-          </a:p>
-          <a:p>
-            <a:r>
-              <a:rPr lang="en-US" dirty="0"/>
-              <a:t>Y is the dependent variable (number of deals closed)</a:t>
-            </a:r>
-          </a:p>
-          <a:p>
-            <a:r>
-              <a:rPr lang="en-US" dirty="0"/>
-              <a:t>b is the slope of the line.</a:t>
-            </a:r>
-          </a:p>
-          <a:p>
-            <a:r>
-              <a:rPr lang="en-US" dirty="0"/>
-              <a:t>a is the point of interception, or what Y equals when X is zero.</a:t>
-            </a:r>
-          </a:p>
-          <a:p>
-            <a:endParaRPr lang="en-US" dirty="0"/>
-          </a:p>
-        </p:txBody>
-      </p:sp>
+        </p:nvPicPr>
+        <p:blipFill>
+          <a:blip r:embed="rId2"/>
+          <a:stretch>
+            <a:fillRect/>
+          </a:stretch>
+        </p:blipFill>
+        <p:spPr>
+          <a:xfrm>
+            <a:off x="1561381" y="1621766"/>
+            <a:ext cx="9943232" cy="4451229"/>
+          </a:xfrm>
+        </p:spPr>
+      </p:pic>
     </p:spTree>
-    <p:extLst>
-      <p:ext uri="{BB962C8B-B14F-4D97-AF65-F5344CB8AC3E}">
-        <p14:creationId xmlns:p14="http://schemas.microsoft.com/office/powerpoint/2010/main" val="2921984270"/>
-      </p:ext>
-    </p:extLst>
   </p:cSld>
   <p:clrMapOvr>
     <a:masterClrMapping/>
   </p:clrMapOvr>
+  <p:timing>
+    <p:tnLst>
+      <p:par>
+        <p:cTn id="1" dur="indefinite" restart="never" nodeType="tmRoot"/>
+      </p:par>
+    </p:tnLst>
+  </p:timing>
 </p:sld>
 </file>
 
@@ -8523,55 +8554,25 @@
           <a:lstStyle/>
           <a:p>
             <a:r>
-              <a:rPr lang="en-US"/>
-              <a:t>What is big Mart sales prediction?</a:t>
-            </a:r>
-            <a:endParaRPr lang="en-US"/>
-          </a:p>
-        </p:txBody>
-      </p:sp>
-      <p:sp>
-        <p:nvSpPr>
-          <p:cNvPr id="3" name="Content Placeholder 2"/>
-          <p:cNvSpPr>
-            <a:spLocks noGrp="1"/>
-          </p:cNvSpPr>
-          <p:nvPr>
-            <p:ph idx="1"/>
-          </p:nvPr>
-        </p:nvSpPr>
-        <p:spPr/>
-        <p:txBody>
-          <a:bodyPr/>
-          <a:lstStyle/>
-          <a:p>
-            <a:r>
-              <a:rPr lang="en-US" b="1" dirty="0"/>
-              <a:t>The aim is to build a predictive model and find out the sales of each product at a particular store</a:t>
-            </a:r>
-            <a:r>
-              <a:rPr lang="en-US" dirty="0"/>
-              <a:t>. Using this model, </a:t>
-            </a:r>
-            <a:r>
-              <a:rPr lang="en-US" dirty="0" err="1"/>
-              <a:t>BigMart</a:t>
-            </a:r>
-            <a:r>
-              <a:rPr lang="en-US" dirty="0"/>
-              <a:t> will try to understand the properties of products and stores which play a key role in increasing sales.</a:t>
-            </a:r>
+              <a:rPr lang="en-US" dirty="0" smtClean="0"/>
+              <a:t>Data Inspection</a:t>
+            </a:r>
+            <a:br>
+              <a:rPr lang="en-US" dirty="0" smtClean="0"/>
+            </a:br>
             <a:endParaRPr lang="en-US" dirty="0"/>
           </a:p>
         </p:txBody>
       </p:sp>
       <p:pic>
         <p:nvPicPr>
-          <p:cNvPr id="5" name="Picture 4"/>
+          <p:cNvPr id="4" name="Content Placeholder 3" descr="cleaning.png"/>
           <p:cNvPicPr>
-            <a:picLocks noChangeAspect="1"/>
+            <a:picLocks noGrp="1" noChangeAspect="1"/>
           </p:cNvPicPr>
-          <p:nvPr/>
+          <p:nvPr>
+            <p:ph idx="1"/>
+          </p:nvPr>
         </p:nvPicPr>
         <p:blipFill>
           <a:blip r:embed="rId2"/>
@@ -8581,24 +8582,23 @@
         </p:blipFill>
         <p:spPr>
           <a:xfrm>
-            <a:off x="7874090" y="3594815"/>
-            <a:ext cx="2857500" cy="1600200"/>
+            <a:off x="1449238" y="1509623"/>
+            <a:ext cx="9151326" cy="4813539"/>
           </a:xfrm>
-          <a:prstGeom prst="rect">
-            <a:avLst/>
-          </a:prstGeom>
         </p:spPr>
       </p:pic>
     </p:spTree>
-    <p:extLst>
-      <p:ext uri="{BB962C8B-B14F-4D97-AF65-F5344CB8AC3E}">
-        <p14:creationId xmlns:p14="http://schemas.microsoft.com/office/powerpoint/2010/main" val="271431224"/>
-      </p:ext>
-    </p:extLst>
   </p:cSld>
   <p:clrMapOvr>
     <a:masterClrMapping/>
   </p:clrMapOvr>
+  <p:timing>
+    <p:tnLst>
+      <p:par>
+        <p:cTn id="1" dur="indefinite" restart="never" nodeType="tmRoot"/>
+      </p:par>
+    </p:tnLst>
+  </p:timing>
 </p:sld>
 </file>
 
@@ -8635,112 +8635,77 @@
           <a:lstStyle/>
           <a:p>
             <a:r>
-              <a:rPr lang="en-US" b="1" dirty="0"/>
-              <a:t>Future Sales Prediction</a:t>
+              <a:rPr lang="en-US" dirty="0" smtClean="0"/>
+              <a:t>Data Cleaning</a:t>
             </a:r>
             <a:br>
-              <a:rPr lang="en-US" b="1" dirty="0"/>
+              <a:rPr lang="en-US" dirty="0" smtClean="0"/>
             </a:br>
             <a:endParaRPr lang="en-US" dirty="0"/>
           </a:p>
         </p:txBody>
       </p:sp>
-      <p:sp>
-        <p:nvSpPr>
-          <p:cNvPr id="3" name="Content Placeholder 2"/>
-          <p:cNvSpPr>
-            <a:spLocks noGrp="1"/>
-          </p:cNvSpPr>
+      <p:pic>
+        <p:nvPicPr>
+          <p:cNvPr id="4" name="Content Placeholder 3" descr="rff.png"/>
+          <p:cNvPicPr>
+            <a:picLocks noGrp="1" noChangeAspect="1"/>
+          </p:cNvPicPr>
           <p:nvPr>
             <p:ph idx="1"/>
           </p:nvPr>
-        </p:nvSpPr>
-        <p:spPr/>
-        <p:txBody>
-          <a:bodyPr/>
-          <a:lstStyle/>
-          <a:p>
-            <a:r>
-              <a:rPr lang="en-US" dirty="0"/>
-              <a:t>The </a:t>
-            </a:r>
-            <a:r>
-              <a:rPr lang="en-US" b="1" dirty="0">
-                <a:solidFill>
-                  <a:schemeClr val="tx1"/>
-                </a:solidFill>
-                <a:hlinkClick r:id="rId2"/>
-              </a:rPr>
-              <a:t>dataset</a:t>
-            </a:r>
-            <a:r>
-              <a:rPr lang="en-US" dirty="0">
-                <a:solidFill>
-                  <a:schemeClr val="tx1"/>
-                </a:solidFill>
-              </a:rPr>
-              <a:t> </a:t>
-            </a:r>
-            <a:r>
-              <a:rPr lang="en-US" dirty="0"/>
-              <a:t>given here contains the data about the sales of the product. The dataset is about the advertising cost incurred by the business on various advertising platforms. Below is the description of all the columns in the dataset:</a:t>
-            </a:r>
-          </a:p>
-          <a:p>
-            <a:r>
-              <a:rPr lang="en-US" b="1" dirty="0"/>
-              <a:t>TV:</a:t>
-            </a:r>
-            <a:r>
-              <a:rPr lang="en-US" dirty="0"/>
-              <a:t> Advertising cost spent in dollars for advertising on TV;</a:t>
-            </a:r>
-          </a:p>
-          <a:p>
-            <a:r>
-              <a:rPr lang="en-US" b="1" dirty="0"/>
-              <a:t>Radio:</a:t>
-            </a:r>
-            <a:r>
-              <a:rPr lang="en-US" dirty="0"/>
-              <a:t> Advertising cost spent in dollars for advertising on Radio;</a:t>
-            </a:r>
-          </a:p>
-          <a:p>
-            <a:r>
-              <a:rPr lang="en-US" b="1" dirty="0"/>
-              <a:t>Newspaper:</a:t>
-            </a:r>
-            <a:r>
-              <a:rPr lang="en-US" dirty="0"/>
-              <a:t> Advertising cost spent in dollars for advertising on Newspaper;</a:t>
-            </a:r>
-          </a:p>
-          <a:p>
-            <a:r>
-              <a:rPr lang="en-US" b="1" dirty="0"/>
-              <a:t>Sales:</a:t>
-            </a:r>
-            <a:r>
-              <a:rPr lang="en-US" dirty="0"/>
-              <a:t> Number of units sold;</a:t>
-            </a:r>
-          </a:p>
-          <a:p>
-            <a:endParaRPr lang="en-US" dirty="0"/>
-          </a:p>
-        </p:txBody>
-      </p:sp>
+        </p:nvPicPr>
+        <p:blipFill>
+          <a:blip r:embed="rId2"/>
+          <a:stretch>
+            <a:fillRect/>
+          </a:stretch>
+        </p:blipFill>
+        <p:spPr>
+          <a:xfrm>
+            <a:off x="810883" y="1509623"/>
+            <a:ext cx="6331789" cy="4433977"/>
+          </a:xfrm>
+        </p:spPr>
+      </p:pic>
+      <p:pic>
+        <p:nvPicPr>
+          <p:cNvPr id="1026" name="Picture 2" descr="https://www.kaggleusercontent.com/kf/11258777/eyJhbGciOiJkaXIiLCJlbmMiOiJBMTI4Q0JDLUhTMjU2In0..0zllpMuIC5iDP7m1oeExIQ.5OUGhgx5Gx5l5cPHxfF7-3EL7HF-ciAur255MmVDLfg42PhBYY8jxs0OyngGgRLig1w3M2HQ-U3vkDPKoY0Kw00AMOEnGhGdIQItmtJgZODWE-BghLyVqq3jk6CzqlnlQD-xz17dd11hbzGz7h91XGsb4fAZBOGjRtQwoPFveVCRRfj43h_ErIwfYOO3je5craaZv20BuEXv8gxzqFbtzRnC3Frl1xl0b4x1drioSl7u3RHr2CnkgQpzQL3wK7mrUJa_vFDYelOyMcGGJne1Jiuum-zXqeSzmrGjcEJ6pDlBbltv6AGLYhRL28YZv9x8G5AHznQPsI-qPvoEKXCNyLfLnFlxTtAaWmsCBO4lPVosFqZ9AYK6d0YH7PGyspoX7nFVKL2hYVHy3fSC2eQ2MF10V6Ww3P3cGPM9mydi_-e43QnI0MrKyycxzmgZXnk9TeDEXkdmgDbrHINsCzfonvPlvfpsuxijSNIqoNhBMJYiBPgIK4c-JBwIJh9uhYoks3F5rgh3uT0w0ioYky8riVSh4BNNDhNdDA0-xxFniZu4kZcQc9g_kQ_SXh_-NjwiXHDUChdrz8WLN3tmJ_lXC9FIlG3Q66AvxAuI-8rLNc6KUF0NbdksnNjw6HSJlxkRTdUbyPMKcXsbxY8PA52sCegBNhoYgvuH-Lxj5cjGI1_7Fx2VuGhWP6Ti6EOK1beM.dIkIlz88tavdu2cw-aLDbw/__results___files/__results___11_0.png"/>
+          <p:cNvPicPr>
+            <a:picLocks noChangeAspect="1" noChangeArrowheads="1"/>
+          </p:cNvPicPr>
+          <p:nvPr/>
+        </p:nvPicPr>
+        <p:blipFill>
+          <a:blip r:embed="rId3"/>
+          <a:srcRect/>
+          <a:stretch>
+            <a:fillRect/>
+          </a:stretch>
+        </p:blipFill>
+        <p:spPr bwMode="auto">
+          <a:xfrm>
+            <a:off x="7401464" y="1345721"/>
+            <a:ext cx="4201064" cy="4779033"/>
+          </a:xfrm>
+          <a:prstGeom prst="rect">
+            <a:avLst/>
+          </a:prstGeom>
+          <a:noFill/>
+        </p:spPr>
+      </p:pic>
     </p:spTree>
-    <p:extLst>
-      <p:ext uri="{BB962C8B-B14F-4D97-AF65-F5344CB8AC3E}">
-        <p14:creationId xmlns:p14="http://schemas.microsoft.com/office/powerpoint/2010/main" val="1241220580"/>
-      </p:ext>
-    </p:extLst>
   </p:cSld>
   <p:clrMapOvr>
     <a:masterClrMapping/>
   </p:clrMapOvr>
+  <p:timing>
+    <p:tnLst>
+      <p:par>
+        <p:cTn id="1" dur="indefinite" restart="never" nodeType="tmRoot"/>
+      </p:par>
+    </p:tnLst>
+  </p:timing>
 </p:sld>
 </file>
 
@@ -8778,74 +8743,74 @@
           <a:p>
             <a:r>
               <a:rPr lang="en-US" dirty="0" smtClean="0"/>
-              <a:t>How &amp; Why ?</a:t>
-            </a:r>
-            <a:endParaRPr lang="en-US" dirty="0"/>
-          </a:p>
-        </p:txBody>
-      </p:sp>
-      <p:sp>
-        <p:nvSpPr>
-          <p:cNvPr id="3" name="Content Placeholder 2"/>
-          <p:cNvSpPr>
-            <a:spLocks noGrp="1"/>
-          </p:cNvSpPr>
+              <a:t>Train-Test Split</a:t>
+            </a:r>
+            <a:br>
+              <a:rPr lang="en-US" dirty="0" smtClean="0"/>
+            </a:br>
+            <a:endParaRPr lang="en-US" dirty="0"/>
+          </a:p>
+        </p:txBody>
+      </p:sp>
+      <p:pic>
+        <p:nvPicPr>
+          <p:cNvPr id="4" name="Content Placeholder 3" descr="gnm.png"/>
+          <p:cNvPicPr>
+            <a:picLocks noGrp="1" noChangeAspect="1"/>
+          </p:cNvPicPr>
           <p:nvPr>
             <p:ph idx="1"/>
           </p:nvPr>
-        </p:nvSpPr>
-        <p:spPr/>
-        <p:txBody>
-          <a:bodyPr/>
-          <a:lstStyle/>
-          <a:p>
-            <a:r>
-              <a:rPr lang="en-US" dirty="0"/>
-              <a:t>The value of machine learning is rooted in its ability to </a:t>
-            </a:r>
-            <a:r>
-              <a:rPr lang="en-US" b="1" dirty="0"/>
-              <a:t>create accurate models to guide future actions and to discover patterns that we've never seen before</a:t>
-            </a:r>
-            <a:r>
-              <a:rPr lang="en-US" dirty="0"/>
-              <a:t>.</a:t>
-            </a:r>
-          </a:p>
-          <a:p>
-            <a:r>
-              <a:rPr lang="en-US" dirty="0"/>
-              <a:t/>
-            </a:r>
-            <a:br>
-              <a:rPr lang="en-US" dirty="0"/>
-            </a:br>
-            <a:r>
-              <a:rPr lang="en-US" dirty="0"/>
-              <a:t>Machine learning can </a:t>
-            </a:r>
-            <a:r>
-              <a:rPr lang="en-US" b="1" dirty="0"/>
-              <a:t>increase the speed at which data is processed and analyzed</a:t>
-            </a:r>
-            <a:r>
-              <a:rPr lang="en-US" dirty="0"/>
-              <a:t>, making it a useful technology for predictive analytics programs. Using machine learning, predictive analytics algorithms can train on even larger data sets and perform deeper analysis on multiple variables with minor changes in deployment.</a:t>
-            </a:r>
-            <a:endParaRPr lang="en-US" dirty="0"/>
-          </a:p>
-        </p:txBody>
-      </p:sp>
+        </p:nvPicPr>
+        <p:blipFill>
+          <a:blip r:embed="rId2"/>
+          <a:stretch>
+            <a:fillRect/>
+          </a:stretch>
+        </p:blipFill>
+        <p:spPr>
+          <a:xfrm>
+            <a:off x="284673" y="1518249"/>
+            <a:ext cx="5486400" cy="4960189"/>
+          </a:xfrm>
+        </p:spPr>
+      </p:pic>
+      <p:pic>
+        <p:nvPicPr>
+          <p:cNvPr id="5" name="Picture 4" descr="gnmer.png"/>
+          <p:cNvPicPr>
+            <a:picLocks noChangeAspect="1"/>
+          </p:cNvPicPr>
+          <p:nvPr/>
+        </p:nvPicPr>
+        <p:blipFill>
+          <a:blip r:embed="rId3"/>
+          <a:stretch>
+            <a:fillRect/>
+          </a:stretch>
+        </p:blipFill>
+        <p:spPr>
+          <a:xfrm>
+            <a:off x="5831457" y="1406105"/>
+            <a:ext cx="6202392" cy="5098211"/>
+          </a:xfrm>
+          <a:prstGeom prst="rect">
+            <a:avLst/>
+          </a:prstGeom>
+        </p:spPr>
+      </p:pic>
     </p:spTree>
-    <p:extLst>
-      <p:ext uri="{BB962C8B-B14F-4D97-AF65-F5344CB8AC3E}">
-        <p14:creationId xmlns:p14="http://schemas.microsoft.com/office/powerpoint/2010/main" val="2559967819"/>
-      </p:ext>
-    </p:extLst>
   </p:cSld>
   <p:clrMapOvr>
     <a:masterClrMapping/>
   </p:clrMapOvr>
+  <p:timing>
+    <p:tnLst>
+      <p:par>
+        <p:cTn id="1" dur="indefinite" restart="never" nodeType="tmRoot"/>
+      </p:par>
+    </p:tnLst>
+  </p:timing>
 </p:sld>
 </file>
 
@@ -8882,85 +8847,87 @@
           <a:lstStyle/>
           <a:p>
             <a:r>
+              <a:rPr lang="en-US"/>
+              <a:t>What is big Mart sales prediction?</a:t>
+            </a:r>
+          </a:p>
+        </p:txBody>
+      </p:sp>
+      <p:sp>
+        <p:nvSpPr>
+          <p:cNvPr id="3" name="Content Placeholder 2"/>
+          <p:cNvSpPr>
+            <a:spLocks noGrp="1"/>
+          </p:cNvSpPr>
+          <p:nvPr>
+            <p:ph idx="1"/>
+          </p:nvPr>
+        </p:nvSpPr>
+        <p:spPr/>
+        <p:txBody>
+          <a:bodyPr/>
+          <a:lstStyle/>
+          <a:p>
+            <a:r>
               <a:rPr lang="en-US" b="1" dirty="0"/>
-              <a:t>What is the future of machine learning?</a:t>
-            </a:r>
-            <a:br>
-              <a:rPr lang="en-US" b="1" dirty="0"/>
-            </a:br>
-            <a:endParaRPr lang="en-US" dirty="0"/>
-          </a:p>
-        </p:txBody>
-      </p:sp>
-      <p:sp>
-        <p:nvSpPr>
-          <p:cNvPr id="3" name="Content Placeholder 2"/>
-          <p:cNvSpPr>
-            <a:spLocks noGrp="1"/>
-          </p:cNvSpPr>
-          <p:nvPr>
-            <p:ph idx="1"/>
-          </p:nvPr>
-        </p:nvSpPr>
-        <p:spPr/>
-        <p:txBody>
-          <a:bodyPr>
-            <a:normAutofit lnSpcReduction="10000"/>
-          </a:bodyPr>
-          <a:lstStyle/>
-          <a:p>
-            <a:r>
-              <a:rPr lang="en-US" dirty="0"/>
-              <a:t>While machine learning algorithms have been around for decades, they've attained new popularity as </a:t>
-            </a:r>
-            <a:r>
-              <a:rPr lang="en-US" u="sng" dirty="0">
-                <a:hlinkClick r:id="rId2"/>
-              </a:rPr>
-              <a:t>artificial intelligence</a:t>
-            </a:r>
-            <a:r>
-              <a:rPr lang="en-US" dirty="0"/>
-              <a:t> has grown in prominence. Deep learning models, in particular, power today's most advanced AI applications.</a:t>
-            </a:r>
-          </a:p>
-          <a:p>
-            <a:r>
-              <a:rPr lang="en-US" dirty="0"/>
-              <a:t>Machine learning platforms are among enterprise technology's most competitive realms, with most major vendors, including Amazon, Google, Microsoft, IBM and others, racing to sign customers up for platform services that cover the spectrum of machine learning activities, including data collection, </a:t>
-            </a:r>
-            <a:r>
-              <a:rPr lang="en-US" u="sng" dirty="0">
-                <a:hlinkClick r:id="rId3"/>
-              </a:rPr>
-              <a:t>data preparation</a:t>
-            </a:r>
-            <a:r>
-              <a:rPr lang="en-US" dirty="0"/>
-              <a:t>, data classification, model building, training and application deployment.</a:t>
-            </a:r>
-          </a:p>
-          <a:p>
-            <a:r>
-              <a:rPr lang="en-US" dirty="0"/>
-              <a:t>As machine learning continues to increase in importance to business operations and AI becomes more practical in enterprise settings, the machine learning platform wars will only intensify.</a:t>
-            </a:r>
-          </a:p>
-          <a:p>
-            <a:endParaRPr lang="en-US" dirty="0"/>
-          </a:p>
-        </p:txBody>
-      </p:sp>
+              <a:t>The aim is to build a predictive model and find out the sales of each product at a particular store</a:t>
+            </a:r>
+            <a:r>
+              <a:rPr lang="en-US" dirty="0"/>
+              <a:t>. Using this model, </a:t>
+            </a:r>
+            <a:r>
+              <a:rPr lang="en-US" dirty="0" err="1"/>
+              <a:t>BigMart</a:t>
+            </a:r>
+            <a:r>
+              <a:rPr lang="en-US" dirty="0"/>
+              <a:t> will try to understand the properties of products and stores which play a key role in increasing sales.</a:t>
+            </a:r>
+          </a:p>
+        </p:txBody>
+      </p:sp>
+      <p:pic>
+        <p:nvPicPr>
+          <p:cNvPr id="5" name="Picture 4"/>
+          <p:cNvPicPr>
+            <a:picLocks noChangeAspect="1"/>
+          </p:cNvPicPr>
+          <p:nvPr/>
+        </p:nvPicPr>
+        <p:blipFill>
+          <a:blip r:embed="rId2"/>
+          <a:stretch>
+            <a:fillRect/>
+          </a:stretch>
+        </p:blipFill>
+        <p:spPr>
+          <a:xfrm>
+            <a:off x="7375585" y="3467820"/>
+            <a:ext cx="3356005" cy="2303252"/>
+          </a:xfrm>
+          <a:prstGeom prst="rect">
+            <a:avLst/>
+          </a:prstGeom>
+        </p:spPr>
+      </p:pic>
     </p:spTree>
     <p:extLst>
       <p:ext uri="{BB962C8B-B14F-4D97-AF65-F5344CB8AC3E}">
-        <p14:creationId xmlns:p14="http://schemas.microsoft.com/office/powerpoint/2010/main" val="2678087215"/>
+        <p14:creationId xmlns="" xmlns:p14="http://schemas.microsoft.com/office/powerpoint/2010/main" val="271431224"/>
       </p:ext>
     </p:extLst>
   </p:cSld>
   <p:clrMapOvr>
     <a:masterClrMapping/>
   </p:clrMapOvr>
+  <p:timing>
+    <p:tnLst>
+      <p:par>
+        <p:cTn id="1" dur="indefinite" restart="never" nodeType="tmRoot"/>
+      </p:par>
+    </p:tnLst>
+  </p:timing>
 </p:sld>
 </file>
 
@@ -8991,23 +8958,19 @@
             <p:ph type="title"/>
           </p:nvPr>
         </p:nvSpPr>
-        <p:spPr>
-          <a:xfrm>
-            <a:off x="4627787" y="3573372"/>
-            <a:ext cx="8911687" cy="1280890"/>
-          </a:xfrm>
-        </p:spPr>
-        <p:txBody>
-          <a:bodyPr>
-            <a:normAutofit/>
-          </a:bodyPr>
-          <a:lstStyle/>
-          <a:p>
-            <a:r>
-              <a:rPr lang="en-US" sz="5400" dirty="0" smtClean="0"/>
-              <a:t>Presented By</a:t>
-            </a:r>
-            <a:endParaRPr lang="en-US" sz="5400" dirty="0"/>
+        <p:spPr/>
+        <p:txBody>
+          <a:bodyPr/>
+          <a:lstStyle/>
+          <a:p>
+            <a:r>
+              <a:rPr lang="en-US" b="1" dirty="0"/>
+              <a:t>Future Sales Prediction</a:t>
+            </a:r>
+            <a:br>
+              <a:rPr lang="en-US" b="1" dirty="0"/>
+            </a:br>
+            <a:endParaRPr lang="en-US" dirty="0"/>
           </a:p>
         </p:txBody>
       </p:sp>
@@ -9021,55 +8984,99 @@
             <p:ph idx="1"/>
           </p:nvPr>
         </p:nvSpPr>
-        <p:spPr>
-          <a:xfrm>
-            <a:off x="4790940" y="4713667"/>
-            <a:ext cx="6533367" cy="1313464"/>
-          </a:xfrm>
-        </p:spPr>
-        <p:txBody>
-          <a:bodyPr>
-            <a:normAutofit/>
-          </a:bodyPr>
-          <a:lstStyle/>
-          <a:p>
-            <a:pPr marL="0" indent="0">
-              <a:buNone/>
-            </a:pPr>
-            <a:r>
-              <a:rPr lang="en-US" sz="2000" b="1" dirty="0" err="1" smtClean="0"/>
-              <a:t>RojaSri</a:t>
-            </a:r>
-            <a:r>
-              <a:rPr lang="en-US" sz="2000" b="1" dirty="0"/>
-              <a:t> </a:t>
-            </a:r>
-            <a:r>
-              <a:rPr lang="en-US" sz="2000" b="1" dirty="0" err="1" smtClean="0"/>
-              <a:t>Vadalmuri</a:t>
-            </a:r>
-            <a:r>
-              <a:rPr lang="en-US" sz="2000" b="1" dirty="0" smtClean="0"/>
-              <a:t> &amp; Sharmila </a:t>
-            </a:r>
-            <a:r>
-              <a:rPr lang="en-US" sz="2000" b="1" dirty="0" err="1" smtClean="0"/>
-              <a:t>Madugula</a:t>
-            </a:r>
-            <a:endParaRPr lang="en-US" sz="2000" b="1" dirty="0"/>
+        <p:spPr/>
+        <p:txBody>
+          <a:bodyPr/>
+          <a:lstStyle/>
+          <a:p>
+            <a:r>
+              <a:rPr lang="en-US" dirty="0"/>
+              <a:t>The </a:t>
+            </a:r>
+            <a:r>
+              <a:rPr lang="en-US" b="1" dirty="0">
+                <a:solidFill>
+                  <a:schemeClr val="tx1"/>
+                </a:solidFill>
+                <a:hlinkClick r:id="rId2"/>
+              </a:rPr>
+              <a:t>dataset</a:t>
+            </a:r>
+            <a:r>
+              <a:rPr lang="en-US" dirty="0">
+                <a:solidFill>
+                  <a:schemeClr val="tx1"/>
+                </a:solidFill>
+              </a:rPr>
+              <a:t> </a:t>
+            </a:r>
+            <a:r>
+              <a:rPr lang="en-US" dirty="0"/>
+              <a:t>given here contains the data about the sales of the product. The dataset is about the advertising cost incurred by the business on various advertising platforms. Below is the description of all the columns in the dataset:</a:t>
+            </a:r>
+          </a:p>
+          <a:p>
+            <a:r>
+              <a:rPr lang="en-US" b="1" dirty="0"/>
+              <a:t>TV:</a:t>
+            </a:r>
+            <a:r>
+              <a:rPr lang="en-US" dirty="0"/>
+              <a:t> Advertising cost spent in dollars for advertising on TV;</a:t>
+            </a:r>
+          </a:p>
+          <a:p>
+            <a:r>
+              <a:rPr lang="en-US" b="1" dirty="0"/>
+              <a:t>Radio:</a:t>
+            </a:r>
+            <a:r>
+              <a:rPr lang="en-US" dirty="0"/>
+              <a:t> Advertising cost spent in dollars for advertising on Radio;</a:t>
+            </a:r>
+          </a:p>
+          <a:p>
+            <a:r>
+              <a:rPr lang="en-US" b="1" dirty="0"/>
+              <a:t>Newspaper:</a:t>
+            </a:r>
+            <a:r>
+              <a:rPr lang="en-US" dirty="0"/>
+              <a:t> Advertising cost spent in dollars for advertising on Newspaper;</a:t>
+            </a:r>
+          </a:p>
+          <a:p>
+            <a:r>
+              <a:rPr lang="en-US" b="1" dirty="0"/>
+              <a:t>Sales:</a:t>
+            </a:r>
+            <a:r>
+              <a:rPr lang="en-US" dirty="0"/>
+              <a:t> Number of units sold;</a:t>
+            </a:r>
+          </a:p>
+          <a:p>
+            <a:endParaRPr lang="en-US" dirty="0"/>
           </a:p>
         </p:txBody>
       </p:sp>
     </p:spTree>
     <p:extLst>
       <p:ext uri="{BB962C8B-B14F-4D97-AF65-F5344CB8AC3E}">
-        <p14:creationId xmlns:p14="http://schemas.microsoft.com/office/powerpoint/2010/main" val="978714299"/>
+        <p14:creationId xmlns="" xmlns:p14="http://schemas.microsoft.com/office/powerpoint/2010/main" val="1241220580"/>
       </p:ext>
     </p:extLst>
   </p:cSld>
   <p:clrMapOvr>
     <a:masterClrMapping/>
   </p:clrMapOvr>
+  <p:timing>
+    <p:tnLst>
+      <p:par>
+        <p:cTn id="1" dur="indefinite" restart="never" nodeType="tmRoot"/>
+      </p:par>
+    </p:tnLst>
+  </p:timing>
 </p:sld>
 </file>
 
@@ -9155,20 +9162,379 @@
               <a:rPr lang="en-US" dirty="0"/>
               <a:t> use historical data as input to predict new output values.</a:t>
             </a:r>
-            <a:endParaRPr lang="en-US" dirty="0"/>
           </a:p>
         </p:txBody>
       </p:sp>
     </p:spTree>
     <p:extLst>
       <p:ext uri="{BB962C8B-B14F-4D97-AF65-F5344CB8AC3E}">
-        <p14:creationId xmlns:p14="http://schemas.microsoft.com/office/powerpoint/2010/main" val="1825205372"/>
+        <p14:creationId xmlns="" xmlns:p14="http://schemas.microsoft.com/office/powerpoint/2010/main" val="1825205372"/>
       </p:ext>
     </p:extLst>
   </p:cSld>
   <p:clrMapOvr>
     <a:masterClrMapping/>
   </p:clrMapOvr>
+  <p:timing>
+    <p:tnLst>
+      <p:par>
+        <p:cTn id="1" dur="indefinite" restart="never" nodeType="tmRoot"/>
+      </p:par>
+    </p:tnLst>
+  </p:timing>
+</p:sld>
+</file>
+
+<file path=ppt/slides/slide20.xml><?xml version="1.0" encoding="utf-8"?>
+<p:sld xmlns:a="http://schemas.openxmlformats.org/drawingml/2006/main" xmlns:r="http://schemas.openxmlformats.org/officeDocument/2006/relationships" xmlns:p="http://schemas.openxmlformats.org/presentationml/2006/main">
+  <p:cSld>
+    <p:spTree>
+      <p:nvGrpSpPr>
+        <p:cNvPr id="1" name=""/>
+        <p:cNvGrpSpPr/>
+        <p:nvPr/>
+      </p:nvGrpSpPr>
+      <p:grpSpPr>
+        <a:xfrm>
+          <a:off x="0" y="0"/>
+          <a:ext cx="0" cy="0"/>
+          <a:chOff x="0" y="0"/>
+          <a:chExt cx="0" cy="0"/>
+        </a:xfrm>
+      </p:grpSpPr>
+      <p:sp>
+        <p:nvSpPr>
+          <p:cNvPr id="2" name="Title 1"/>
+          <p:cNvSpPr>
+            <a:spLocks noGrp="1"/>
+          </p:cNvSpPr>
+          <p:nvPr>
+            <p:ph type="title"/>
+          </p:nvPr>
+        </p:nvSpPr>
+        <p:spPr/>
+        <p:txBody>
+          <a:bodyPr/>
+          <a:lstStyle/>
+          <a:p>
+            <a:r>
+              <a:rPr lang="en-US" dirty="0" smtClean="0"/>
+              <a:t>How &amp; Why ?</a:t>
+            </a:r>
+            <a:endParaRPr lang="en-US" dirty="0"/>
+          </a:p>
+        </p:txBody>
+      </p:sp>
+      <p:sp>
+        <p:nvSpPr>
+          <p:cNvPr id="3" name="Content Placeholder 2"/>
+          <p:cNvSpPr>
+            <a:spLocks noGrp="1"/>
+          </p:cNvSpPr>
+          <p:nvPr>
+            <p:ph idx="1"/>
+          </p:nvPr>
+        </p:nvSpPr>
+        <p:spPr/>
+        <p:txBody>
+          <a:bodyPr/>
+          <a:lstStyle/>
+          <a:p>
+            <a:r>
+              <a:rPr lang="en-US" dirty="0"/>
+              <a:t>The value of machine learning is rooted in its ability to </a:t>
+            </a:r>
+            <a:r>
+              <a:rPr lang="en-US" b="1" dirty="0"/>
+              <a:t>create accurate models to guide future actions and to discover patterns that we've never seen before</a:t>
+            </a:r>
+            <a:r>
+              <a:rPr lang="en-US" dirty="0"/>
+              <a:t>.</a:t>
+            </a:r>
+          </a:p>
+          <a:p>
+            <a:r>
+              <a:rPr lang="en-US" dirty="0"/>
+              <a:t/>
+            </a:r>
+            <a:br>
+              <a:rPr lang="en-US" dirty="0"/>
+            </a:br>
+            <a:r>
+              <a:rPr lang="en-US" dirty="0"/>
+              <a:t>Machine learning can </a:t>
+            </a:r>
+            <a:r>
+              <a:rPr lang="en-US" b="1" dirty="0"/>
+              <a:t>increase the speed at which data is processed and analyzed</a:t>
+            </a:r>
+            <a:r>
+              <a:rPr lang="en-US" dirty="0"/>
+              <a:t>, making it a useful technology for predictive analytics programs. Using machine learning, predictive analytics algorithms can train on even larger data sets and perform deeper analysis on multiple variables with minor changes in deployment.</a:t>
+            </a:r>
+          </a:p>
+        </p:txBody>
+      </p:sp>
+    </p:spTree>
+    <p:extLst>
+      <p:ext uri="{BB962C8B-B14F-4D97-AF65-F5344CB8AC3E}">
+        <p14:creationId xmlns="" xmlns:p14="http://schemas.microsoft.com/office/powerpoint/2010/main" val="2559967819"/>
+      </p:ext>
+    </p:extLst>
+  </p:cSld>
+  <p:clrMapOvr>
+    <a:masterClrMapping/>
+  </p:clrMapOvr>
+  <p:timing>
+    <p:tnLst>
+      <p:par>
+        <p:cTn id="1" dur="indefinite" restart="never" nodeType="tmRoot"/>
+      </p:par>
+    </p:tnLst>
+  </p:timing>
+</p:sld>
+</file>
+
+<file path=ppt/slides/slide21.xml><?xml version="1.0" encoding="utf-8"?>
+<p:sld xmlns:a="http://schemas.openxmlformats.org/drawingml/2006/main" xmlns:r="http://schemas.openxmlformats.org/officeDocument/2006/relationships" xmlns:p="http://schemas.openxmlformats.org/presentationml/2006/main">
+  <p:cSld>
+    <p:spTree>
+      <p:nvGrpSpPr>
+        <p:cNvPr id="1" name=""/>
+        <p:cNvGrpSpPr/>
+        <p:nvPr/>
+      </p:nvGrpSpPr>
+      <p:grpSpPr>
+        <a:xfrm>
+          <a:off x="0" y="0"/>
+          <a:ext cx="0" cy="0"/>
+          <a:chOff x="0" y="0"/>
+          <a:chExt cx="0" cy="0"/>
+        </a:xfrm>
+      </p:grpSpPr>
+      <p:sp>
+        <p:nvSpPr>
+          <p:cNvPr id="2" name="Title 1"/>
+          <p:cNvSpPr>
+            <a:spLocks noGrp="1"/>
+          </p:cNvSpPr>
+          <p:nvPr>
+            <p:ph type="title"/>
+          </p:nvPr>
+        </p:nvSpPr>
+        <p:spPr/>
+        <p:txBody>
+          <a:bodyPr/>
+          <a:lstStyle/>
+          <a:p>
+            <a:r>
+              <a:rPr lang="en-US" b="1" dirty="0"/>
+              <a:t>What is the future of machine learning?</a:t>
+            </a:r>
+            <a:br>
+              <a:rPr lang="en-US" b="1" dirty="0"/>
+            </a:br>
+            <a:endParaRPr lang="en-US" dirty="0"/>
+          </a:p>
+        </p:txBody>
+      </p:sp>
+      <p:sp>
+        <p:nvSpPr>
+          <p:cNvPr id="3" name="Content Placeholder 2"/>
+          <p:cNvSpPr>
+            <a:spLocks noGrp="1"/>
+          </p:cNvSpPr>
+          <p:nvPr>
+            <p:ph idx="1"/>
+          </p:nvPr>
+        </p:nvSpPr>
+        <p:spPr/>
+        <p:txBody>
+          <a:bodyPr>
+            <a:normAutofit lnSpcReduction="10000"/>
+          </a:bodyPr>
+          <a:lstStyle/>
+          <a:p>
+            <a:r>
+              <a:rPr lang="en-US" dirty="0"/>
+              <a:t>While machine learning algorithms have been around for decades, they've attained new popularity as </a:t>
+            </a:r>
+            <a:r>
+              <a:rPr lang="en-US" u="sng" dirty="0">
+                <a:hlinkClick r:id="rId2"/>
+              </a:rPr>
+              <a:t>artificial intelligence</a:t>
+            </a:r>
+            <a:r>
+              <a:rPr lang="en-US" dirty="0"/>
+              <a:t> has grown in prominence. Deep learning models, in particular, power today's most advanced AI applications.</a:t>
+            </a:r>
+          </a:p>
+          <a:p>
+            <a:r>
+              <a:rPr lang="en-US" dirty="0"/>
+              <a:t>Machine learning platforms are among enterprise technology's most competitive realms, with most major vendors, including Amazon, Google, Microsoft, IBM and others, racing to sign customers up for platform services that cover the spectrum of machine learning activities, including data collection, </a:t>
+            </a:r>
+            <a:r>
+              <a:rPr lang="en-US" u="sng" dirty="0">
+                <a:hlinkClick r:id="rId3"/>
+              </a:rPr>
+              <a:t>data preparation</a:t>
+            </a:r>
+            <a:r>
+              <a:rPr lang="en-US" dirty="0"/>
+              <a:t>, data classification, model building, training and application deployment.</a:t>
+            </a:r>
+          </a:p>
+          <a:p>
+            <a:r>
+              <a:rPr lang="en-US" dirty="0"/>
+              <a:t>As machine learning continues to increase in importance to business operations and AI becomes more practical in enterprise settings, the machine learning platform wars will only intensify.</a:t>
+            </a:r>
+          </a:p>
+          <a:p>
+            <a:endParaRPr lang="en-US" dirty="0"/>
+          </a:p>
+        </p:txBody>
+      </p:sp>
+    </p:spTree>
+    <p:extLst>
+      <p:ext uri="{BB962C8B-B14F-4D97-AF65-F5344CB8AC3E}">
+        <p14:creationId xmlns="" xmlns:p14="http://schemas.microsoft.com/office/powerpoint/2010/main" val="2678087215"/>
+      </p:ext>
+    </p:extLst>
+  </p:cSld>
+  <p:clrMapOvr>
+    <a:masterClrMapping/>
+  </p:clrMapOvr>
+  <p:timing>
+    <p:tnLst>
+      <p:par>
+        <p:cTn id="1" dur="indefinite" restart="never" nodeType="tmRoot"/>
+      </p:par>
+    </p:tnLst>
+  </p:timing>
+</p:sld>
+</file>
+
+<file path=ppt/slides/slide22.xml><?xml version="1.0" encoding="utf-8"?>
+<p:sld xmlns:a="http://schemas.openxmlformats.org/drawingml/2006/main" xmlns:r="http://schemas.openxmlformats.org/officeDocument/2006/relationships" xmlns:p="http://schemas.openxmlformats.org/presentationml/2006/main">
+  <p:cSld>
+    <p:spTree>
+      <p:nvGrpSpPr>
+        <p:cNvPr id="1" name=""/>
+        <p:cNvGrpSpPr/>
+        <p:nvPr/>
+      </p:nvGrpSpPr>
+      <p:grpSpPr>
+        <a:xfrm>
+          <a:off x="0" y="0"/>
+          <a:ext cx="0" cy="0"/>
+          <a:chOff x="0" y="0"/>
+          <a:chExt cx="0" cy="0"/>
+        </a:xfrm>
+      </p:grpSpPr>
+      <p:sp>
+        <p:nvSpPr>
+          <p:cNvPr id="2" name="Title 1"/>
+          <p:cNvSpPr>
+            <a:spLocks noGrp="1"/>
+          </p:cNvSpPr>
+          <p:nvPr>
+            <p:ph type="title"/>
+          </p:nvPr>
+        </p:nvSpPr>
+        <p:spPr>
+          <a:xfrm>
+            <a:off x="4627787" y="3573372"/>
+            <a:ext cx="8911687" cy="1280890"/>
+          </a:xfrm>
+        </p:spPr>
+        <p:txBody>
+          <a:bodyPr>
+            <a:normAutofit/>
+          </a:bodyPr>
+          <a:lstStyle/>
+          <a:p>
+            <a:r>
+              <a:rPr lang="en-US" sz="5400" dirty="0" smtClean="0"/>
+              <a:t>Presented By</a:t>
+            </a:r>
+            <a:endParaRPr lang="en-US" sz="5400" dirty="0"/>
+          </a:p>
+        </p:txBody>
+      </p:sp>
+      <p:sp>
+        <p:nvSpPr>
+          <p:cNvPr id="3" name="Content Placeholder 2"/>
+          <p:cNvSpPr>
+            <a:spLocks noGrp="1"/>
+          </p:cNvSpPr>
+          <p:nvPr>
+            <p:ph idx="1"/>
+          </p:nvPr>
+        </p:nvSpPr>
+        <p:spPr>
+          <a:xfrm>
+            <a:off x="4790940" y="4713667"/>
+            <a:ext cx="6533367" cy="1313464"/>
+          </a:xfrm>
+        </p:spPr>
+        <p:txBody>
+          <a:bodyPr>
+            <a:normAutofit/>
+          </a:bodyPr>
+          <a:lstStyle/>
+          <a:p>
+            <a:pPr marL="0" indent="0">
+              <a:buNone/>
+            </a:pPr>
+            <a:r>
+              <a:rPr lang="en-US" sz="2000" b="1" dirty="0" err="1" smtClean="0"/>
+              <a:t>RojaSri</a:t>
+            </a:r>
+            <a:r>
+              <a:rPr lang="en-US" sz="2000" b="1" dirty="0"/>
+              <a:t> </a:t>
+            </a:r>
+            <a:r>
+              <a:rPr lang="en-US" sz="2000" b="1" smtClean="0"/>
+              <a:t>Vadlamuri</a:t>
+            </a:r>
+            <a:r>
+              <a:rPr lang="en-US" sz="2000" b="1" dirty="0" smtClean="0"/>
+              <a:t> </a:t>
+            </a:r>
+            <a:r>
+              <a:rPr lang="en-US" sz="2000" b="1" dirty="0" smtClean="0"/>
+              <a:t>&amp; Sharmila </a:t>
+            </a:r>
+            <a:r>
+              <a:rPr lang="en-US" sz="2000" b="1" dirty="0" err="1" smtClean="0"/>
+              <a:t>Madugula</a:t>
+            </a:r>
+            <a:endParaRPr lang="en-US" sz="2000" b="1" dirty="0"/>
+          </a:p>
+        </p:txBody>
+      </p:sp>
+    </p:spTree>
+    <p:extLst>
+      <p:ext uri="{BB962C8B-B14F-4D97-AF65-F5344CB8AC3E}">
+        <p14:creationId xmlns="" xmlns:p14="http://schemas.microsoft.com/office/powerpoint/2010/main" val="978714299"/>
+      </p:ext>
+    </p:extLst>
+  </p:cSld>
+  <p:clrMapOvr>
+    <a:masterClrMapping/>
+  </p:clrMapOvr>
+  <p:timing>
+    <p:tnLst>
+      <p:par>
+        <p:cTn id="1" dur="indefinite" restart="never" nodeType="tmRoot"/>
+      </p:par>
+    </p:tnLst>
+  </p:timing>
 </p:sld>
 </file>
 
@@ -9242,20 +9608,26 @@
               <a:rPr lang="en-US" dirty="0"/>
               <a:t>, make machine learning a central part of their operations. Machine learning has become a significant competitive differentiator for many companies.</a:t>
             </a:r>
-            <a:endParaRPr lang="en-US" dirty="0"/>
           </a:p>
         </p:txBody>
       </p:sp>
     </p:spTree>
     <p:extLst>
       <p:ext uri="{BB962C8B-B14F-4D97-AF65-F5344CB8AC3E}">
-        <p14:creationId xmlns:p14="http://schemas.microsoft.com/office/powerpoint/2010/main" val="392002538"/>
+        <p14:creationId xmlns="" xmlns:p14="http://schemas.microsoft.com/office/powerpoint/2010/main" val="392002538"/>
       </p:ext>
     </p:extLst>
   </p:cSld>
   <p:clrMapOvr>
     <a:masterClrMapping/>
   </p:clrMapOvr>
+  <p:timing>
+    <p:tnLst>
+      <p:par>
+        <p:cTn id="1" dur="indefinite" restart="never" nodeType="tmRoot"/>
+      </p:par>
+    </p:tnLst>
+  </p:timing>
 </p:sld>
 </file>
 
@@ -9357,7 +9729,7 @@
           <a:noFill/>
           <a:extLst>
             <a:ext uri="{909E8E84-426E-40DD-AFC4-6F175D3DCCD1}">
-              <a14:hiddenFill xmlns:a14="http://schemas.microsoft.com/office/drawing/2010/main">
+              <a14:hiddenFill xmlns="" xmlns:a14="http://schemas.microsoft.com/office/drawing/2010/main">
                 <a:solidFill>
                   <a:srgbClr val="FFFFFF"/>
                 </a:solidFill>
@@ -9428,13 +9800,20 @@
     </p:spTree>
     <p:extLst>
       <p:ext uri="{BB962C8B-B14F-4D97-AF65-F5344CB8AC3E}">
-        <p14:creationId xmlns:p14="http://schemas.microsoft.com/office/powerpoint/2010/main" val="808437250"/>
+        <p14:creationId xmlns="" xmlns:p14="http://schemas.microsoft.com/office/powerpoint/2010/main" val="808437250"/>
       </p:ext>
     </p:extLst>
   </p:cSld>
   <p:clrMapOvr>
     <a:masterClrMapping/>
   </p:clrMapOvr>
+  <p:timing>
+    <p:tnLst>
+      <p:par>
+        <p:cTn id="1" dur="indefinite" restart="never" nodeType="tmRoot"/>
+      </p:par>
+    </p:tnLst>
+  </p:timing>
 </p:sld>
 </file>
 
@@ -9517,13 +9896,20 @@
     </p:spTree>
     <p:extLst>
       <p:ext uri="{BB962C8B-B14F-4D97-AF65-F5344CB8AC3E}">
-        <p14:creationId xmlns:p14="http://schemas.microsoft.com/office/powerpoint/2010/main" val="1786588776"/>
+        <p14:creationId xmlns="" xmlns:p14="http://schemas.microsoft.com/office/powerpoint/2010/main" val="1786588776"/>
       </p:ext>
     </p:extLst>
   </p:cSld>
   <p:clrMapOvr>
     <a:masterClrMapping/>
   </p:clrMapOvr>
+  <p:timing>
+    <p:tnLst>
+      <p:par>
+        <p:cTn id="1" dur="indefinite" restart="never" nodeType="tmRoot"/>
+      </p:par>
+    </p:tnLst>
+  </p:timing>
 </p:sld>
 </file>
 
@@ -9582,13 +9968,16 @@
           <a:bodyPr/>
           <a:lstStyle/>
           <a:p>
+            <a:endParaRPr lang="en-US" dirty="0" smtClean="0"/>
+          </a:p>
+          <a:p>
             <a:endParaRPr lang="en-US" dirty="0"/>
           </a:p>
         </p:txBody>
       </p:sp>
       <p:pic>
         <p:nvPicPr>
-          <p:cNvPr id="5" name="Picture 4"/>
+          <p:cNvPr id="6" name="Picture 5" descr="11-machine-learning-examples-in-real-life.jpg"/>
           <p:cNvPicPr>
             <a:picLocks noChangeAspect="1"/>
           </p:cNvPicPr>
@@ -9602,8 +9991,8 @@
         </p:blipFill>
         <p:spPr>
           <a:xfrm>
-            <a:off x="6308032" y="3567448"/>
-            <a:ext cx="4582172" cy="1856234"/>
+            <a:off x="1285336" y="1345721"/>
+            <a:ext cx="9359660" cy="5339751"/>
           </a:xfrm>
           <a:prstGeom prst="rect">
             <a:avLst/>
@@ -9613,13 +10002,20 @@
     </p:spTree>
     <p:extLst>
       <p:ext uri="{BB962C8B-B14F-4D97-AF65-F5344CB8AC3E}">
-        <p14:creationId xmlns:p14="http://schemas.microsoft.com/office/powerpoint/2010/main" val="2169635730"/>
+        <p14:creationId xmlns="" xmlns:p14="http://schemas.microsoft.com/office/powerpoint/2010/main" val="2169635730"/>
       </p:ext>
     </p:extLst>
   </p:cSld>
   <p:clrMapOvr>
     <a:masterClrMapping/>
   </p:clrMapOvr>
+  <p:timing>
+    <p:tnLst>
+      <p:par>
+        <p:cTn id="1" dur="indefinite" restart="never" nodeType="tmRoot"/>
+      </p:par>
+    </p:tnLst>
+  </p:timing>
 </p:sld>
 </file>
 
@@ -9759,13 +10155,20 @@
     </p:spTree>
     <p:extLst>
       <p:ext uri="{BB962C8B-B14F-4D97-AF65-F5344CB8AC3E}">
-        <p14:creationId xmlns:p14="http://schemas.microsoft.com/office/powerpoint/2010/main" val="1188781509"/>
+        <p14:creationId xmlns="" xmlns:p14="http://schemas.microsoft.com/office/powerpoint/2010/main" val="1188781509"/>
       </p:ext>
     </p:extLst>
   </p:cSld>
   <p:clrMapOvr>
     <a:masterClrMapping/>
   </p:clrMapOvr>
+  <p:timing>
+    <p:tnLst>
+      <p:par>
+        <p:cTn id="1" dur="indefinite" restart="never" nodeType="tmRoot"/>
+      </p:par>
+    </p:tnLst>
+  </p:timing>
 </p:sld>
 </file>
 
@@ -9837,13 +10240,20 @@
     </p:spTree>
     <p:extLst>
       <p:ext uri="{BB962C8B-B14F-4D97-AF65-F5344CB8AC3E}">
-        <p14:creationId xmlns:p14="http://schemas.microsoft.com/office/powerpoint/2010/main" val="2794647084"/>
+        <p14:creationId xmlns="" xmlns:p14="http://schemas.microsoft.com/office/powerpoint/2010/main" val="2794647084"/>
       </p:ext>
     </p:extLst>
   </p:cSld>
   <p:clrMapOvr>
     <a:masterClrMapping/>
   </p:clrMapOvr>
+  <p:timing>
+    <p:tnLst>
+      <p:par>
+        <p:cTn id="1" dur="indefinite" restart="never" nodeType="tmRoot"/>
+      </p:par>
+    </p:tnLst>
+  </p:timing>
 </p:sld>
 </file>
 
@@ -9959,13 +10369,20 @@
     </p:spTree>
     <p:extLst>
       <p:ext uri="{BB962C8B-B14F-4D97-AF65-F5344CB8AC3E}">
-        <p14:creationId xmlns:p14="http://schemas.microsoft.com/office/powerpoint/2010/main" val="1705055323"/>
+        <p14:creationId xmlns="" xmlns:p14="http://schemas.microsoft.com/office/powerpoint/2010/main" val="1705055323"/>
       </p:ext>
     </p:extLst>
   </p:cSld>
   <p:clrMapOvr>
     <a:masterClrMapping/>
   </p:clrMapOvr>
+  <p:timing>
+    <p:tnLst>
+      <p:par>
+        <p:cTn id="1" dur="indefinite" restart="never" nodeType="tmRoot"/>
+      </p:par>
+    </p:tnLst>
+  </p:timing>
 </p:sld>
 </file>
 
@@ -10012,7 +10429,7 @@
     </a:clrScheme>
     <a:fontScheme name="Wisp">
       <a:majorFont>
-        <a:latin typeface="Century Gothic" panose="020B0502020202020204"/>
+        <a:latin typeface="Century Gothic"/>
         <a:ea typeface=""/>
         <a:cs typeface=""/>
         <a:font script="Jpan" typeface="メイリオ"/>
@@ -10047,7 +10464,7 @@
         <a:font script="Geor" typeface="Sylfaen"/>
       </a:majorFont>
       <a:minorFont>
-        <a:latin typeface="Century Gothic" panose="020B0502020202020204"/>
+        <a:latin typeface="Century Gothic"/>
         <a:ea typeface=""/>
         <a:cs typeface=""/>
         <a:font script="Jpan" typeface="メイリオ"/>
@@ -10206,7 +10623,7 @@
   <a:extraClrSchemeLst/>
   <a:extLst>
     <a:ext uri="{05A4C25C-085E-4340-85A3-A5531E510DB2}">
-      <thm15:themeFamily xmlns:thm15="http://schemas.microsoft.com/office/thememl/2012/main" name="Wisp" id="{7CB32D59-10C0-40DD-B7BD-2E94284A981C}" vid="{24B1A44C-C006-48B2-A4D7-E5549B3D8CD4}"/>
+      <thm15:themeFamily xmlns="" xmlns:thm15="http://schemas.microsoft.com/office/thememl/2012/main" name="Wisp" id="{7CB32D59-10C0-40DD-B7BD-2E94284A981C}" vid="{24B1A44C-C006-48B2-A4D7-E5549B3D8CD4}"/>
     </a:ext>
   </a:extLst>
 </a:theme>
